--- a/Paul Binyan.pptx
+++ b/Paul Binyan.pptx
@@ -4269,10 +4269,10 @@
       </p:grpSp>
       <p:grpSp>
         <p:nvGrpSpPr>
-          <p:cNvPr id="36" name="Группа 35">
-            <a:extLst>
-              <a:ext uri="{FF2B5EF4-FFF2-40B4-BE49-F238E27FC236}">
-                <a16:creationId xmlns:a16="http://schemas.microsoft.com/office/drawing/2014/main" id="{01B5C020-1DD6-1E10-CECA-7DBBB5595034}"/>
+          <p:cNvPr id="2" name="Группа 1">
+            <a:extLst>
+              <a:ext uri="{FF2B5EF4-FFF2-40B4-BE49-F238E27FC236}">
+                <a16:creationId xmlns:a16="http://schemas.microsoft.com/office/drawing/2014/main" id="{704C3D5D-0665-F18B-0629-15FCFE06122E}"/>
               </a:ext>
             </a:extLst>
           </p:cNvPr>
@@ -4281,10 +4281,10 @@
         </p:nvGrpSpPr>
         <p:grpSpPr>
           <a:xfrm>
-            <a:off x="200643" y="926008"/>
-            <a:ext cx="9299997" cy="2021853"/>
-            <a:chOff x="200643" y="926008"/>
-            <a:chExt cx="9299997" cy="2021853"/>
+            <a:off x="200644" y="871387"/>
+            <a:ext cx="4841874" cy="2076474"/>
+            <a:chOff x="200644" y="871387"/>
+            <a:chExt cx="4841874" cy="2076474"/>
           </a:xfrm>
         </p:grpSpPr>
         <p:sp>
@@ -4301,8 +4301,8 @@
           </p:nvSpPr>
           <p:spPr>
             <a:xfrm>
-              <a:off x="1717153" y="934112"/>
-              <a:ext cx="6211059" cy="369332"/>
+              <a:off x="799169" y="871387"/>
+              <a:ext cx="3538428" cy="646331"/>
             </a:xfrm>
             <a:prstGeom prst="rect">
               <a:avLst/>
@@ -4310,11 +4310,12 @@
             <a:noFill/>
           </p:spPr>
           <p:txBody>
-            <a:bodyPr wrap="none" rtlCol="0">
+            <a:bodyPr wrap="square" rtlCol="0">
               <a:spAutoFit/>
             </a:bodyPr>
             <a:lstStyle/>
             <a:p>
+              <a:pPr algn="ctr"/>
               <a:r>
                 <a:rPr lang="en-US" b="1" dirty="0"/>
                 <a:t>Data gathering and preprocessing (verbs forms and translation)</a:t>
@@ -4350,8 +4351,8 @@
           </p:blipFill>
           <p:spPr>
             <a:xfrm>
-              <a:off x="412219" y="1355328"/>
-              <a:ext cx="3641966" cy="1322055"/>
+              <a:off x="412219" y="1293182"/>
+              <a:ext cx="2677210" cy="971843"/>
             </a:xfrm>
             <a:prstGeom prst="rect">
               <a:avLst/>
@@ -4372,10 +4373,10 @@
           </p:nvGrpSpPr>
           <p:grpSpPr>
             <a:xfrm>
-              <a:off x="4247841" y="1346731"/>
-              <a:ext cx="1350762" cy="1286872"/>
-              <a:chOff x="3987157" y="1521369"/>
-              <a:chExt cx="1595387" cy="1555554"/>
+              <a:off x="3289857" y="1517718"/>
+              <a:ext cx="1549276" cy="1329620"/>
+              <a:chOff x="2582438" y="1823859"/>
+              <a:chExt cx="1829852" cy="1607228"/>
             </a:xfrm>
           </p:grpSpPr>
           <p:pic>
@@ -4406,7 +4407,7 @@
             </p:blipFill>
             <p:spPr>
               <a:xfrm>
-                <a:off x="4295059" y="1521369"/>
+                <a:off x="3007572" y="1823859"/>
                 <a:ext cx="979585" cy="1171752"/>
               </a:xfrm>
               <a:prstGeom prst="rect">
@@ -4428,8 +4429,8 @@
             </p:nvSpPr>
             <p:spPr>
               <a:xfrm>
-                <a:off x="3987157" y="2707591"/>
-                <a:ext cx="1595387" cy="369332"/>
+                <a:off x="2582438" y="2984643"/>
+                <a:ext cx="1829852" cy="446444"/>
               </a:xfrm>
               <a:prstGeom prst="rect">
                 <a:avLst/>
@@ -4487,8 +4488,8 @@
           </p:blipFill>
           <p:spPr>
             <a:xfrm>
-              <a:off x="6158721" y="1484943"/>
-              <a:ext cx="2752826" cy="1112558"/>
+              <a:off x="450718" y="2076318"/>
+              <a:ext cx="2117665" cy="855857"/>
             </a:xfrm>
             <a:prstGeom prst="rect">
               <a:avLst/>
@@ -4509,8 +4510,8 @@
           </p:nvSpPr>
           <p:spPr>
             <a:xfrm>
-              <a:off x="200643" y="926008"/>
-              <a:ext cx="9299997" cy="2021853"/>
+              <a:off x="200644" y="926008"/>
+              <a:ext cx="4841874" cy="2021853"/>
             </a:xfrm>
             <a:prstGeom prst="roundRect">
               <a:avLst/>
@@ -4761,6 +4762,184 @@
             </p:spPr>
           </p:pic>
         </p:grpSp>
+      </p:grpSp>
+      <p:grpSp>
+        <p:nvGrpSpPr>
+          <p:cNvPr id="17" name="Группа 16">
+            <a:extLst>
+              <a:ext uri="{FF2B5EF4-FFF2-40B4-BE49-F238E27FC236}">
+                <a16:creationId xmlns:a16="http://schemas.microsoft.com/office/drawing/2014/main" id="{E648B4DD-E19A-E3E1-ABDA-C3E300E0BB80}"/>
+              </a:ext>
+            </a:extLst>
+          </p:cNvPr>
+          <p:cNvGrpSpPr/>
+          <p:nvPr/>
+        </p:nvGrpSpPr>
+        <p:grpSpPr>
+          <a:xfrm>
+            <a:off x="5000495" y="926008"/>
+            <a:ext cx="4669349" cy="2004908"/>
+            <a:chOff x="5000495" y="926008"/>
+            <a:chExt cx="4669349" cy="2004908"/>
+          </a:xfrm>
+        </p:grpSpPr>
+        <p:sp>
+          <p:nvSpPr>
+            <p:cNvPr id="3" name="Прямоугольник: скругленные углы 2">
+              <a:extLst>
+                <a:ext uri="{FF2B5EF4-FFF2-40B4-BE49-F238E27FC236}">
+                  <a16:creationId xmlns:a16="http://schemas.microsoft.com/office/drawing/2014/main" id="{ADA6E838-43AC-3F93-B987-EE3E71E6D4D0}"/>
+                </a:ext>
+              </a:extLst>
+            </p:cNvPr>
+            <p:cNvSpPr/>
+            <p:nvPr/>
+          </p:nvSpPr>
+          <p:spPr>
+            <a:xfrm>
+              <a:off x="5207159" y="926008"/>
+              <a:ext cx="4293482" cy="2004908"/>
+            </a:xfrm>
+            <a:prstGeom prst="roundRect">
+              <a:avLst/>
+            </a:prstGeom>
+            <a:noFill/>
+            <a:ln w="25400"/>
+          </p:spPr>
+          <p:style>
+            <a:lnRef idx="2">
+              <a:schemeClr val="accent1">
+                <a:shade val="50000"/>
+              </a:schemeClr>
+            </a:lnRef>
+            <a:fillRef idx="1">
+              <a:schemeClr val="accent1"/>
+            </a:fillRef>
+            <a:effectRef idx="0">
+              <a:schemeClr val="accent1"/>
+            </a:effectRef>
+            <a:fontRef idx="minor">
+              <a:schemeClr val="lt1"/>
+            </a:fontRef>
+          </p:style>
+          <p:txBody>
+            <a:bodyPr rtlCol="0" anchor="ctr"/>
+            <a:lstStyle/>
+            <a:p>
+              <a:pPr algn="ctr"/>
+              <a:endParaRPr lang="ru-RU"/>
+            </a:p>
+          </p:txBody>
+        </p:sp>
+        <p:sp>
+          <p:nvSpPr>
+            <p:cNvPr id="6" name="TextBox 5">
+              <a:extLst>
+                <a:ext uri="{FF2B5EF4-FFF2-40B4-BE49-F238E27FC236}">
+                  <a16:creationId xmlns:a16="http://schemas.microsoft.com/office/drawing/2014/main" id="{485F5E53-A7EB-4C73-0A54-50AEE148A168}"/>
+                </a:ext>
+              </a:extLst>
+            </p:cNvPr>
+            <p:cNvSpPr txBox="1"/>
+            <p:nvPr/>
+          </p:nvSpPr>
+          <p:spPr>
+            <a:xfrm>
+              <a:off x="5429468" y="934234"/>
+              <a:ext cx="3538428" cy="369332"/>
+            </a:xfrm>
+            <a:prstGeom prst="rect">
+              <a:avLst/>
+            </a:prstGeom>
+            <a:noFill/>
+          </p:spPr>
+          <p:txBody>
+            <a:bodyPr wrap="square" rtlCol="0">
+              <a:spAutoFit/>
+            </a:bodyPr>
+            <a:lstStyle/>
+            <a:p>
+              <a:pPr algn="ctr"/>
+              <a:r>
+                <a:rPr lang="en-US" b="1" dirty="0"/>
+                <a:t>Project Management</a:t>
+              </a:r>
+              <a:endParaRPr lang="ru-RU" b="1" dirty="0"/>
+            </a:p>
+          </p:txBody>
+        </p:sp>
+        <p:pic>
+          <p:nvPicPr>
+            <p:cNvPr id="10" name="Рисунок 9">
+              <a:extLst>
+                <a:ext uri="{FF2B5EF4-FFF2-40B4-BE49-F238E27FC236}">
+                  <a16:creationId xmlns:a16="http://schemas.microsoft.com/office/drawing/2014/main" id="{BD7CA976-99B4-D35C-B9E7-201AA9386B59}"/>
+                </a:ext>
+              </a:extLst>
+            </p:cNvPr>
+            <p:cNvPicPr>
+              <a:picLocks noChangeAspect="1"/>
+            </p:cNvPicPr>
+            <p:nvPr/>
+          </p:nvPicPr>
+          <p:blipFill>
+            <a:blip r:embed="rId12">
+              <a:extLst>
+                <a:ext uri="{28A0092B-C50C-407E-A947-70E740481C1C}">
+                  <a14:useLocalDpi xmlns:a14="http://schemas.microsoft.com/office/drawing/2010/main" val="0"/>
+                </a:ext>
+              </a:extLst>
+            </a:blip>
+            <a:stretch>
+              <a:fillRect/>
+            </a:stretch>
+          </p:blipFill>
+          <p:spPr>
+            <a:xfrm>
+              <a:off x="5000495" y="1325291"/>
+              <a:ext cx="2558181" cy="1438977"/>
+            </a:xfrm>
+            <a:prstGeom prst="rect">
+              <a:avLst/>
+            </a:prstGeom>
+          </p:spPr>
+        </p:pic>
+        <p:pic>
+          <p:nvPicPr>
+            <p:cNvPr id="16" name="Рисунок 15" descr="Изображение выглядит как логотип&#10;&#10;Автоматически созданное описание">
+              <a:extLst>
+                <a:ext uri="{FF2B5EF4-FFF2-40B4-BE49-F238E27FC236}">
+                  <a16:creationId xmlns:a16="http://schemas.microsoft.com/office/drawing/2014/main" id="{46805494-EE34-A2F6-6548-3307C4A3733D}"/>
+                </a:ext>
+              </a:extLst>
+            </p:cNvPr>
+            <p:cNvPicPr>
+              <a:picLocks noChangeAspect="1"/>
+            </p:cNvPicPr>
+            <p:nvPr/>
+          </p:nvPicPr>
+          <p:blipFill>
+            <a:blip r:embed="rId13">
+              <a:extLst>
+                <a:ext uri="{28A0092B-C50C-407E-A947-70E740481C1C}">
+                  <a14:useLocalDpi xmlns:a14="http://schemas.microsoft.com/office/drawing/2010/main" val="0"/>
+                </a:ext>
+              </a:extLst>
+            </a:blip>
+            <a:stretch>
+              <a:fillRect/>
+            </a:stretch>
+          </p:blipFill>
+          <p:spPr>
+            <a:xfrm>
+              <a:off x="7105117" y="1321609"/>
+              <a:ext cx="2564727" cy="1442659"/>
+            </a:xfrm>
+            <a:prstGeom prst="rect">
+              <a:avLst/>
+            </a:prstGeom>
+          </p:spPr>
+        </p:pic>
       </p:grpSp>
     </p:spTree>
     <p:extLst>
